--- a/2024-results/1-Model Results for Short-, Medium- and Long-Term.pptx
+++ b/2024-results/1-Model Results for Short-, Medium- and Long-Term.pptx
@@ -134,6 +134,11 @@
       </a:defRPr>
     </a:lvl9pPr>
   </p:defaultTextStyle>
+  <p:extLst>
+    <p:ext uri="{EFAFB233-063F-42B5-8137-9DF3F51BA10A}">
+      <p15:sldGuideLst xmlns:p15="http://schemas.microsoft.com/office/powerpoint/2012/main"/>
+    </p:ext>
+  </p:extLst>
 </p:presentation>
 </file>
 
@@ -284,7 +289,7 @@
           <a:p>
             <a:fld id="{E63A1584-9374-4DDF-92C0-EA71626BDEDB}" type="datetimeFigureOut">
               <a:rPr lang="en-US" smtClean="0"/>
-              <a:t>4/8/2024</a:t>
+              <a:t>5/14/2024</a:t>
             </a:fld>
             <a:endParaRPr lang="en-US"/>
           </a:p>
@@ -482,7 +487,7 @@
           <a:p>
             <a:fld id="{E63A1584-9374-4DDF-92C0-EA71626BDEDB}" type="datetimeFigureOut">
               <a:rPr lang="en-US" smtClean="0"/>
-              <a:t>4/8/2024</a:t>
+              <a:t>5/14/2024</a:t>
             </a:fld>
             <a:endParaRPr lang="en-US"/>
           </a:p>
@@ -690,7 +695,7 @@
           <a:p>
             <a:fld id="{E63A1584-9374-4DDF-92C0-EA71626BDEDB}" type="datetimeFigureOut">
               <a:rPr lang="en-US" smtClean="0"/>
-              <a:t>4/8/2024</a:t>
+              <a:t>5/14/2024</a:t>
             </a:fld>
             <a:endParaRPr lang="en-US"/>
           </a:p>
@@ -888,7 +893,7 @@
           <a:p>
             <a:fld id="{E63A1584-9374-4DDF-92C0-EA71626BDEDB}" type="datetimeFigureOut">
               <a:rPr lang="en-US" smtClean="0"/>
-              <a:t>4/8/2024</a:t>
+              <a:t>5/14/2024</a:t>
             </a:fld>
             <a:endParaRPr lang="en-US"/>
           </a:p>
@@ -1163,7 +1168,7 @@
           <a:p>
             <a:fld id="{E63A1584-9374-4DDF-92C0-EA71626BDEDB}" type="datetimeFigureOut">
               <a:rPr lang="en-US" smtClean="0"/>
-              <a:t>4/8/2024</a:t>
+              <a:t>5/14/2024</a:t>
             </a:fld>
             <a:endParaRPr lang="en-US"/>
           </a:p>
@@ -1428,7 +1433,7 @@
           <a:p>
             <a:fld id="{E63A1584-9374-4DDF-92C0-EA71626BDEDB}" type="datetimeFigureOut">
               <a:rPr lang="en-US" smtClean="0"/>
-              <a:t>4/8/2024</a:t>
+              <a:t>5/14/2024</a:t>
             </a:fld>
             <a:endParaRPr lang="en-US"/>
           </a:p>
@@ -1840,7 +1845,7 @@
           <a:p>
             <a:fld id="{E63A1584-9374-4DDF-92C0-EA71626BDEDB}" type="datetimeFigureOut">
               <a:rPr lang="en-US" smtClean="0"/>
-              <a:t>4/8/2024</a:t>
+              <a:t>5/14/2024</a:t>
             </a:fld>
             <a:endParaRPr lang="en-US"/>
           </a:p>
@@ -1981,7 +1986,7 @@
           <a:p>
             <a:fld id="{E63A1584-9374-4DDF-92C0-EA71626BDEDB}" type="datetimeFigureOut">
               <a:rPr lang="en-US" smtClean="0"/>
-              <a:t>4/8/2024</a:t>
+              <a:t>5/14/2024</a:t>
             </a:fld>
             <a:endParaRPr lang="en-US"/>
           </a:p>
@@ -2094,7 +2099,7 @@
           <a:p>
             <a:fld id="{E63A1584-9374-4DDF-92C0-EA71626BDEDB}" type="datetimeFigureOut">
               <a:rPr lang="en-US" smtClean="0"/>
-              <a:t>4/8/2024</a:t>
+              <a:t>5/14/2024</a:t>
             </a:fld>
             <a:endParaRPr lang="en-US"/>
           </a:p>
@@ -2405,7 +2410,7 @@
           <a:p>
             <a:fld id="{E63A1584-9374-4DDF-92C0-EA71626BDEDB}" type="datetimeFigureOut">
               <a:rPr lang="en-US" smtClean="0"/>
-              <a:t>4/8/2024</a:t>
+              <a:t>5/14/2024</a:t>
             </a:fld>
             <a:endParaRPr lang="en-US"/>
           </a:p>
@@ -2693,7 +2698,7 @@
           <a:p>
             <a:fld id="{E63A1584-9374-4DDF-92C0-EA71626BDEDB}" type="datetimeFigureOut">
               <a:rPr lang="en-US" smtClean="0"/>
-              <a:t>4/8/2024</a:t>
+              <a:t>5/14/2024</a:t>
             </a:fld>
             <a:endParaRPr lang="en-US"/>
           </a:p>
@@ -2934,7 +2939,7 @@
           <a:p>
             <a:fld id="{E63A1584-9374-4DDF-92C0-EA71626BDEDB}" type="datetimeFigureOut">
               <a:rPr lang="en-US" smtClean="0"/>
-              <a:t>4/8/2024</a:t>
+              <a:t>5/14/2024</a:t>
             </a:fld>
             <a:endParaRPr lang="en-US"/>
           </a:p>
@@ -3540,10 +3545,10 @@
       </p:sp>
       <p:pic>
         <p:nvPicPr>
-          <p:cNvPr id="3" name="Picture 2">
-            <a:extLst>
-              <a:ext uri="{FF2B5EF4-FFF2-40B4-BE49-F238E27FC236}">
-                <a16:creationId xmlns:a16="http://schemas.microsoft.com/office/drawing/2014/main" id="{BBEEAD81-90BB-4F9C-8FB1-7618928110E7}"/>
+          <p:cNvPr id="4" name="Picture 3">
+            <a:extLst>
+              <a:ext uri="{FF2B5EF4-FFF2-40B4-BE49-F238E27FC236}">
+                <a16:creationId xmlns:a16="http://schemas.microsoft.com/office/drawing/2014/main" id="{A2E7DCE2-B12A-4182-9B48-7EF7F8EEBD6F}"/>
               </a:ext>
             </a:extLst>
           </p:cNvPr>
@@ -3560,8 +3565,8 @@
         </p:blipFill>
         <p:spPr>
           <a:xfrm>
-            <a:off x="3022092" y="1149858"/>
-            <a:ext cx="6147816" cy="4558284"/>
+            <a:off x="3022092" y="1195578"/>
+            <a:ext cx="6147816" cy="4466844"/>
           </a:xfrm>
           <a:prstGeom prst="rect">
             <a:avLst/>
@@ -3634,10 +3639,10 @@
       </p:sp>
       <p:pic>
         <p:nvPicPr>
-          <p:cNvPr id="4" name="Picture 3">
-            <a:extLst>
-              <a:ext uri="{FF2B5EF4-FFF2-40B4-BE49-F238E27FC236}">
-                <a16:creationId xmlns:a16="http://schemas.microsoft.com/office/drawing/2014/main" id="{9B41E126-E09E-41BC-B0A7-9240A5860426}"/>
+          <p:cNvPr id="3" name="Picture 2">
+            <a:extLst>
+              <a:ext uri="{FF2B5EF4-FFF2-40B4-BE49-F238E27FC236}">
+                <a16:creationId xmlns:a16="http://schemas.microsoft.com/office/drawing/2014/main" id="{B5609F64-BEDB-4ACD-A3F6-73FEF9F15A77}"/>
               </a:ext>
             </a:extLst>
           </p:cNvPr>
@@ -3728,10 +3733,10 @@
       </p:sp>
       <p:pic>
         <p:nvPicPr>
-          <p:cNvPr id="3" name="Picture 2">
-            <a:extLst>
-              <a:ext uri="{FF2B5EF4-FFF2-40B4-BE49-F238E27FC236}">
-                <a16:creationId xmlns:a16="http://schemas.microsoft.com/office/drawing/2014/main" id="{876BB9CB-CCC2-4FF5-932E-6DB63443303E}"/>
+          <p:cNvPr id="5" name="Picture 4">
+            <a:extLst>
+              <a:ext uri="{FF2B5EF4-FFF2-40B4-BE49-F238E27FC236}">
+                <a16:creationId xmlns:a16="http://schemas.microsoft.com/office/drawing/2014/main" id="{B10EB0CC-57D5-491C-A467-12F262038826}"/>
               </a:ext>
             </a:extLst>
           </p:cNvPr>
@@ -3748,8 +3753,8 @@
         </p:blipFill>
         <p:spPr>
           <a:xfrm>
-            <a:off x="3022092" y="1149858"/>
-            <a:ext cx="6147816" cy="4558284"/>
+            <a:off x="3022092" y="1132332"/>
+            <a:ext cx="6147816" cy="4593336"/>
           </a:xfrm>
           <a:prstGeom prst="rect">
             <a:avLst/>
@@ -4762,10 +4767,10 @@
       </p:sp>
       <p:pic>
         <p:nvPicPr>
-          <p:cNvPr id="3" name="Picture 2">
-            <a:extLst>
-              <a:ext uri="{FF2B5EF4-FFF2-40B4-BE49-F238E27FC236}">
-                <a16:creationId xmlns:a16="http://schemas.microsoft.com/office/drawing/2014/main" id="{0A6A1249-38F5-4693-B904-05D9F12AC36A}"/>
+          <p:cNvPr id="4" name="Picture 3">
+            <a:extLst>
+              <a:ext uri="{FF2B5EF4-FFF2-40B4-BE49-F238E27FC236}">
+                <a16:creationId xmlns:a16="http://schemas.microsoft.com/office/drawing/2014/main" id="{B69D09EC-0460-49AC-8059-78F5AD7B9655}"/>
               </a:ext>
             </a:extLst>
           </p:cNvPr>
@@ -4782,8 +4787,8 @@
         </p:blipFill>
         <p:spPr>
           <a:xfrm>
-            <a:off x="3033522" y="1149858"/>
-            <a:ext cx="6124956" cy="4558284"/>
+            <a:off x="3069336" y="1159002"/>
+            <a:ext cx="6053328" cy="4539996"/>
           </a:xfrm>
           <a:prstGeom prst="rect">
             <a:avLst/>
@@ -4856,10 +4861,10 @@
       </p:sp>
       <p:pic>
         <p:nvPicPr>
-          <p:cNvPr id="3" name="Picture 2">
-            <a:extLst>
-              <a:ext uri="{FF2B5EF4-FFF2-40B4-BE49-F238E27FC236}">
-                <a16:creationId xmlns:a16="http://schemas.microsoft.com/office/drawing/2014/main" id="{8F442BF1-5616-4798-85CE-F0E299036332}"/>
+          <p:cNvPr id="6" name="Picture 5">
+            <a:extLst>
+              <a:ext uri="{FF2B5EF4-FFF2-40B4-BE49-F238E27FC236}">
+                <a16:creationId xmlns:a16="http://schemas.microsoft.com/office/drawing/2014/main" id="{DCFB607C-0122-45EF-A877-A9B675669686}"/>
               </a:ext>
             </a:extLst>
           </p:cNvPr>
@@ -4876,37 +4881,7 @@
         </p:blipFill>
         <p:spPr>
           <a:xfrm>
-            <a:off x="3057906" y="1147572"/>
-            <a:ext cx="6076188" cy="4562856"/>
-          </a:xfrm>
-          <a:prstGeom prst="rect">
-            <a:avLst/>
-          </a:prstGeom>
-        </p:spPr>
-      </p:pic>
-      <p:pic>
-        <p:nvPicPr>
-          <p:cNvPr id="5" name="Picture 4">
-            <a:extLst>
-              <a:ext uri="{FF2B5EF4-FFF2-40B4-BE49-F238E27FC236}">
-                <a16:creationId xmlns:a16="http://schemas.microsoft.com/office/drawing/2014/main" id="{C98EC8BF-43EB-434D-989B-765CFC00DDBA}"/>
-              </a:ext>
-            </a:extLst>
-          </p:cNvPr>
-          <p:cNvPicPr>
-            <a:picLocks noChangeAspect="1"/>
-          </p:cNvPicPr>
-          <p:nvPr/>
-        </p:nvPicPr>
-        <p:blipFill>
-          <a:blip r:embed="rId3"/>
-          <a:stretch>
-            <a:fillRect/>
-          </a:stretch>
-        </p:blipFill>
-        <p:spPr>
-          <a:xfrm>
-            <a:off x="3212592" y="1303020"/>
+            <a:off x="3060192" y="1150620"/>
             <a:ext cx="6071616" cy="4556760"/>
           </a:xfrm>
           <a:prstGeom prst="rect">
@@ -4980,10 +4955,10 @@
       </p:sp>
       <p:pic>
         <p:nvPicPr>
-          <p:cNvPr id="3" name="Picture 2">
-            <a:extLst>
-              <a:ext uri="{FF2B5EF4-FFF2-40B4-BE49-F238E27FC236}">
-                <a16:creationId xmlns:a16="http://schemas.microsoft.com/office/drawing/2014/main" id="{69C42474-E40F-4AB0-8DFF-F3C422739A6B}"/>
+          <p:cNvPr id="4" name="Picture 3">
+            <a:extLst>
+              <a:ext uri="{FF2B5EF4-FFF2-40B4-BE49-F238E27FC236}">
+                <a16:creationId xmlns:a16="http://schemas.microsoft.com/office/drawing/2014/main" id="{2D60C277-6FAE-4116-9B9E-BEE9BA3EFA4C}"/>
               </a:ext>
             </a:extLst>
           </p:cNvPr>
@@ -5000,8 +4975,8 @@
         </p:blipFill>
         <p:spPr>
           <a:xfrm>
-            <a:off x="3041904" y="1150620"/>
-            <a:ext cx="6108192" cy="4556760"/>
+            <a:off x="2900934" y="1150620"/>
+            <a:ext cx="6390132" cy="4556760"/>
           </a:xfrm>
           <a:prstGeom prst="rect">
             <a:avLst/>
@@ -5076,10 +5051,10 @@
       </p:sp>
       <p:pic>
         <p:nvPicPr>
-          <p:cNvPr id="4" name="Picture 3">
-            <a:extLst>
-              <a:ext uri="{FF2B5EF4-FFF2-40B4-BE49-F238E27FC236}">
-                <a16:creationId xmlns:a16="http://schemas.microsoft.com/office/drawing/2014/main" id="{1109585D-35AB-4ECF-A79C-F44B38769495}"/>
+          <p:cNvPr id="3" name="Picture 2">
+            <a:extLst>
+              <a:ext uri="{FF2B5EF4-FFF2-40B4-BE49-F238E27FC236}">
+                <a16:creationId xmlns:a16="http://schemas.microsoft.com/office/drawing/2014/main" id="{707A461B-1575-4817-8D57-9E6A816A7FF1}"/>
               </a:ext>
             </a:extLst>
           </p:cNvPr>
@@ -5170,10 +5145,10 @@
       </p:sp>
       <p:pic>
         <p:nvPicPr>
-          <p:cNvPr id="4" name="Picture 3">
-            <a:extLst>
-              <a:ext uri="{FF2B5EF4-FFF2-40B4-BE49-F238E27FC236}">
-                <a16:creationId xmlns:a16="http://schemas.microsoft.com/office/drawing/2014/main" id="{C80E885F-3FFF-46B7-AC08-D5FC98BB2E20}"/>
+          <p:cNvPr id="3" name="Picture 2">
+            <a:extLst>
+              <a:ext uri="{FF2B5EF4-FFF2-40B4-BE49-F238E27FC236}">
+                <a16:creationId xmlns:a16="http://schemas.microsoft.com/office/drawing/2014/main" id="{A4E77101-7576-47F0-BD74-272145FB73D7}"/>
               </a:ext>
             </a:extLst>
           </p:cNvPr>
@@ -5264,10 +5239,10 @@
       </p:sp>
       <p:pic>
         <p:nvPicPr>
-          <p:cNvPr id="4" name="Picture 3">
-            <a:extLst>
-              <a:ext uri="{FF2B5EF4-FFF2-40B4-BE49-F238E27FC236}">
-                <a16:creationId xmlns:a16="http://schemas.microsoft.com/office/drawing/2014/main" id="{02A2E43E-ED28-4733-83E6-4FD85E1F75AF}"/>
+          <p:cNvPr id="3" name="Picture 2">
+            <a:extLst>
+              <a:ext uri="{FF2B5EF4-FFF2-40B4-BE49-F238E27FC236}">
+                <a16:creationId xmlns:a16="http://schemas.microsoft.com/office/drawing/2014/main" id="{C72398EF-F01F-4878-A661-9629594F3C3B}"/>
               </a:ext>
             </a:extLst>
           </p:cNvPr>
@@ -5360,10 +5335,10 @@
       </p:sp>
       <p:pic>
         <p:nvPicPr>
-          <p:cNvPr id="5" name="Picture 4">
-            <a:extLst>
-              <a:ext uri="{FF2B5EF4-FFF2-40B4-BE49-F238E27FC236}">
-                <a16:creationId xmlns:a16="http://schemas.microsoft.com/office/drawing/2014/main" id="{0C19FE30-15DD-47CE-B7BE-2CFD734BC76D}"/>
+          <p:cNvPr id="3" name="Picture 2">
+            <a:extLst>
+              <a:ext uri="{FF2B5EF4-FFF2-40B4-BE49-F238E27FC236}">
+                <a16:creationId xmlns:a16="http://schemas.microsoft.com/office/drawing/2014/main" id="{2B1F7DB3-D2AB-425F-B6BC-FB23467E59D1}"/>
               </a:ext>
             </a:extLst>
           </p:cNvPr>
@@ -5550,10 +5525,10 @@
       </p:sp>
       <p:pic>
         <p:nvPicPr>
-          <p:cNvPr id="6" name="Picture 5">
-            <a:extLst>
-              <a:ext uri="{FF2B5EF4-FFF2-40B4-BE49-F238E27FC236}">
-                <a16:creationId xmlns:a16="http://schemas.microsoft.com/office/drawing/2014/main" id="{061A7A1C-969C-4414-AB6E-ED5708E5BF37}"/>
+          <p:cNvPr id="3" name="Picture 2">
+            <a:extLst>
+              <a:ext uri="{FF2B5EF4-FFF2-40B4-BE49-F238E27FC236}">
+                <a16:creationId xmlns:a16="http://schemas.microsoft.com/office/drawing/2014/main" id="{9A71C982-7332-40A7-AFA4-8E856C55912A}"/>
               </a:ext>
             </a:extLst>
           </p:cNvPr>
@@ -5646,10 +5621,10 @@
       </p:sp>
       <p:pic>
         <p:nvPicPr>
-          <p:cNvPr id="5" name="Picture 4">
-            <a:extLst>
-              <a:ext uri="{FF2B5EF4-FFF2-40B4-BE49-F238E27FC236}">
-                <a16:creationId xmlns:a16="http://schemas.microsoft.com/office/drawing/2014/main" id="{C12D02EB-BC5F-420B-BE62-C7C726EC3C4E}"/>
+          <p:cNvPr id="3" name="Picture 2">
+            <a:extLst>
+              <a:ext uri="{FF2B5EF4-FFF2-40B4-BE49-F238E27FC236}">
+                <a16:creationId xmlns:a16="http://schemas.microsoft.com/office/drawing/2014/main" id="{AA977CC3-5861-4BAA-B9A4-C923C605CE07}"/>
               </a:ext>
             </a:extLst>
           </p:cNvPr>
@@ -5666,8 +5641,8 @@
         </p:blipFill>
         <p:spPr>
           <a:xfrm>
-            <a:off x="2887218" y="1016508"/>
-            <a:ext cx="6417564" cy="4824984"/>
+            <a:off x="2887218" y="1004316"/>
+            <a:ext cx="6417564" cy="4849368"/>
           </a:xfrm>
           <a:prstGeom prst="rect">
             <a:avLst/>
